--- a/experiments/1.1[next/Check.pptx
+++ b/experiments/1.1[next/Check.pptx
@@ -218,7 +218,7 @@
           <a:p>
             <a:fld id="{3CBABE4E-40DB-4A46-ADE6-728791B5D710}" type="datetimeFigureOut">
               <a:rPr kumimoji="1" lang="ja-JP" altLang="en-US" smtClean="0"/>
-              <a:t>2020/12/2</a:t>
+              <a:t>2020/12/8</a:t>
             </a:fld>
             <a:endParaRPr kumimoji="1" lang="ja-JP" altLang="en-US"/>
           </a:p>
@@ -460,7 +460,7 @@
           <a:p>
             <a:fld id="{144D3AE8-3538-6D43-9410-E3A9F6063FF1}" type="datetimeFigureOut">
               <a:rPr kumimoji="1" lang="ja-JP" altLang="en-US" smtClean="0"/>
-              <a:t>2020/12/2</a:t>
+              <a:t>2020/12/8</a:t>
             </a:fld>
             <a:endParaRPr kumimoji="1" lang="ja-JP" altLang="en-US"/>
           </a:p>
@@ -690,7 +690,7 @@
           <a:p>
             <a:fld id="{144D3AE8-3538-6D43-9410-E3A9F6063FF1}" type="datetimeFigureOut">
               <a:rPr kumimoji="1" lang="ja-JP" altLang="en-US" smtClean="0"/>
-              <a:t>2020/12/2</a:t>
+              <a:t>2020/12/8</a:t>
             </a:fld>
             <a:endParaRPr kumimoji="1" lang="ja-JP" altLang="en-US"/>
           </a:p>
@@ -930,7 +930,7 @@
           <a:p>
             <a:fld id="{144D3AE8-3538-6D43-9410-E3A9F6063FF1}" type="datetimeFigureOut">
               <a:rPr kumimoji="1" lang="ja-JP" altLang="en-US" smtClean="0"/>
-              <a:t>2020/12/2</a:t>
+              <a:t>2020/12/8</a:t>
             </a:fld>
             <a:endParaRPr kumimoji="1" lang="ja-JP" altLang="en-US"/>
           </a:p>
@@ -1160,7 +1160,7 @@
           <a:p>
             <a:fld id="{144D3AE8-3538-6D43-9410-E3A9F6063FF1}" type="datetimeFigureOut">
               <a:rPr kumimoji="1" lang="ja-JP" altLang="en-US" smtClean="0"/>
-              <a:t>2020/12/2</a:t>
+              <a:t>2020/12/8</a:t>
             </a:fld>
             <a:endParaRPr kumimoji="1" lang="ja-JP" altLang="en-US"/>
           </a:p>
@@ -1435,7 +1435,7 @@
           <a:p>
             <a:fld id="{144D3AE8-3538-6D43-9410-E3A9F6063FF1}" type="datetimeFigureOut">
               <a:rPr kumimoji="1" lang="ja-JP" altLang="en-US" smtClean="0"/>
-              <a:t>2020/12/2</a:t>
+              <a:t>2020/12/8</a:t>
             </a:fld>
             <a:endParaRPr kumimoji="1" lang="ja-JP" altLang="en-US"/>
           </a:p>
@@ -1764,7 +1764,7 @@
           <a:p>
             <a:fld id="{144D3AE8-3538-6D43-9410-E3A9F6063FF1}" type="datetimeFigureOut">
               <a:rPr kumimoji="1" lang="ja-JP" altLang="en-US" smtClean="0"/>
-              <a:t>2020/12/2</a:t>
+              <a:t>2020/12/8</a:t>
             </a:fld>
             <a:endParaRPr kumimoji="1" lang="ja-JP" altLang="en-US"/>
           </a:p>
@@ -2240,7 +2240,7 @@
           <a:p>
             <a:fld id="{144D3AE8-3538-6D43-9410-E3A9F6063FF1}" type="datetimeFigureOut">
               <a:rPr kumimoji="1" lang="ja-JP" altLang="en-US" smtClean="0"/>
-              <a:t>2020/12/2</a:t>
+              <a:t>2020/12/8</a:t>
             </a:fld>
             <a:endParaRPr kumimoji="1" lang="ja-JP" altLang="en-US"/>
           </a:p>
@@ -2381,7 +2381,7 @@
           <a:p>
             <a:fld id="{144D3AE8-3538-6D43-9410-E3A9F6063FF1}" type="datetimeFigureOut">
               <a:rPr kumimoji="1" lang="ja-JP" altLang="en-US" smtClean="0"/>
-              <a:t>2020/12/2</a:t>
+              <a:t>2020/12/8</a:t>
             </a:fld>
             <a:endParaRPr kumimoji="1" lang="ja-JP" altLang="en-US"/>
           </a:p>
@@ -2494,7 +2494,7 @@
           <a:p>
             <a:fld id="{144D3AE8-3538-6D43-9410-E3A9F6063FF1}" type="datetimeFigureOut">
               <a:rPr kumimoji="1" lang="ja-JP" altLang="en-US" smtClean="0"/>
-              <a:t>2020/12/2</a:t>
+              <a:t>2020/12/8</a:t>
             </a:fld>
             <a:endParaRPr kumimoji="1" lang="ja-JP" altLang="en-US"/>
           </a:p>
@@ -2837,7 +2837,7 @@
           <a:p>
             <a:fld id="{144D3AE8-3538-6D43-9410-E3A9F6063FF1}" type="datetimeFigureOut">
               <a:rPr kumimoji="1" lang="ja-JP" altLang="en-US" smtClean="0"/>
-              <a:t>2020/12/2</a:t>
+              <a:t>2020/12/8</a:t>
             </a:fld>
             <a:endParaRPr kumimoji="1" lang="ja-JP" altLang="en-US"/>
           </a:p>
@@ -3125,7 +3125,7 @@
           <a:p>
             <a:fld id="{144D3AE8-3538-6D43-9410-E3A9F6063FF1}" type="datetimeFigureOut">
               <a:rPr kumimoji="1" lang="ja-JP" altLang="en-US" smtClean="0"/>
-              <a:t>2020/12/2</a:t>
+              <a:t>2020/12/8</a:t>
             </a:fld>
             <a:endParaRPr kumimoji="1" lang="ja-JP" altLang="en-US"/>
           </a:p>
@@ -3398,7 +3398,7 @@
           <a:p>
             <a:fld id="{144D3AE8-3538-6D43-9410-E3A9F6063FF1}" type="datetimeFigureOut">
               <a:rPr kumimoji="1" lang="ja-JP" altLang="en-US" smtClean="0"/>
-              <a:t>2020/12/2</a:t>
+              <a:t>2020/12/8</a:t>
             </a:fld>
             <a:endParaRPr kumimoji="1" lang="ja-JP" altLang="en-US"/>
           </a:p>
@@ -4128,7 +4128,7 @@
           <a:p>
             <a:r>
               <a:rPr kumimoji="1" lang="ja-JP" altLang="en-US"/>
-              <a:t>やるべきこと</a:t>
+              <a:t>やるべきだったこと</a:t>
             </a:r>
           </a:p>
         </p:txBody>
@@ -4221,55 +4221,6 @@
           </a:p>
           <a:p>
             <a:endParaRPr lang="en-US" altLang="ja-JP" dirty="0"/>
-          </a:p>
-        </p:txBody>
-      </p:sp>
-      <p:sp>
-        <p:nvSpPr>
-          <p:cNvPr id="4" name="テキスト ボックス 3">
-            <a:extLst>
-              <a:ext uri="{FF2B5EF4-FFF2-40B4-BE49-F238E27FC236}">
-                <a16:creationId xmlns:a16="http://schemas.microsoft.com/office/drawing/2014/main" id="{F0288BF9-D661-4D4B-8E57-FF69F151B3D0}"/>
-              </a:ext>
-            </a:extLst>
-          </p:cNvPr>
-          <p:cNvSpPr txBox="1"/>
-          <p:nvPr/>
-        </p:nvSpPr>
-        <p:spPr>
-          <a:xfrm>
-            <a:off x="3107462" y="1367522"/>
-            <a:ext cx="9084538" cy="646331"/>
-          </a:xfrm>
-          <a:prstGeom prst="rect">
-            <a:avLst/>
-          </a:prstGeom>
-          <a:noFill/>
-        </p:spPr>
-        <p:txBody>
-          <a:bodyPr wrap="none" rtlCol="0">
-            <a:spAutoFit/>
-          </a:bodyPr>
-          <a:lstStyle/>
-          <a:p>
-            <a:r>
-              <a:rPr lang="ja-JP" altLang="en-US"/>
-              <a:t>実験計画から参照</a:t>
-            </a:r>
-            <a:r>
-              <a:rPr lang="en-US" altLang="ja-JP" dirty="0"/>
-              <a:t>: </a:t>
-            </a:r>
-            <a:r>
-              <a:rPr lang="en" altLang="ja-JP" dirty="0">
-                <a:hlinkClick r:id="rId2"/>
-              </a:rPr>
-              <a:t>/Users/gatarat/Public_mori-lab/experiments/1.1[next/Plan.docx</a:t>
-            </a:r>
-            <a:endParaRPr lang="en" altLang="ja-JP" dirty="0"/>
-          </a:p>
-          <a:p>
-            <a:endParaRPr kumimoji="1" lang="ja-JP" altLang="en-US"/>
           </a:p>
         </p:txBody>
       </p:sp>
@@ -5437,8 +5388,8 @@
         </p:nvSpPr>
         <p:spPr>
           <a:xfrm>
-            <a:off x="7128941" y="5818445"/>
-            <a:ext cx="2646878" cy="461665"/>
+            <a:off x="7167041" y="5818445"/>
+            <a:ext cx="3262432" cy="461665"/>
           </a:xfrm>
           <a:prstGeom prst="rect">
             <a:avLst/>
@@ -5453,7 +5404,7 @@
           <a:p>
             <a:r>
               <a:rPr kumimoji="1" lang="ja-JP" altLang="en-US" sz="2400"/>
-              <a:t>今後は比較しない</a:t>
+              <a:t>変化量を比較してみる</a:t>
             </a:r>
           </a:p>
         </p:txBody>
